--- a/Slides/Unit 6 - Dynamic Programming, Floyd Warshall.pptx
+++ b/Slides/Unit 6 - Dynamic Programming, Floyd Warshall.pptx
@@ -241,7 +241,7 @@
           <a:p>
             <a:fld id="{F314420D-16BA-4EDC-9A71-800590EAD5A3}" type="datetimeFigureOut">
               <a:rPr lang="en-GB" smtClean="0"/>
-              <a:t>15/12/2016</a:t>
+              <a:t>22/12/2016</a:t>
             </a:fld>
             <a:endParaRPr lang="en-GB"/>
           </a:p>
@@ -2148,7 +2148,7 @@
           <a:p>
             <a:fld id="{EBA5BF6C-AF16-4C58-8955-5157BF3CF460}" type="datetime1">
               <a:rPr lang="en-GB" smtClean="0"/>
-              <a:t>15/12/2016</a:t>
+              <a:t>22/12/2016</a:t>
             </a:fld>
             <a:endParaRPr lang="en-GB"/>
           </a:p>
@@ -2403,7 +2403,7 @@
           <a:p>
             <a:fld id="{28754959-7583-41D4-A531-84ECF582A02F}" type="datetime1">
               <a:rPr lang="en-GB" smtClean="0"/>
-              <a:t>15/12/2016</a:t>
+              <a:t>22/12/2016</a:t>
             </a:fld>
             <a:endParaRPr lang="en-GB"/>
           </a:p>
@@ -2721,7 +2721,7 @@
           <a:p>
             <a:fld id="{2579CF84-8647-4BB0-98CB-E39DBFD9DC8C}" type="datetime1">
               <a:rPr lang="en-GB" smtClean="0"/>
-              <a:t>15/12/2016</a:t>
+              <a:t>22/12/2016</a:t>
             </a:fld>
             <a:endParaRPr lang="en-GB"/>
           </a:p>
@@ -3052,7 +3052,7 @@
           <a:p>
             <a:fld id="{6A61B992-C398-42F8-8105-DFF46194B470}" type="datetime1">
               <a:rPr lang="en-GB" smtClean="0"/>
-              <a:t>15/12/2016</a:t>
+              <a:t>22/12/2016</a:t>
             </a:fld>
             <a:endParaRPr lang="en-GB"/>
           </a:p>
@@ -3370,7 +3370,7 @@
           <a:p>
             <a:fld id="{735F25EF-2C32-49FF-A05C-AACCD6DB6B6B}" type="datetime1">
               <a:rPr lang="en-GB" smtClean="0"/>
-              <a:t>15/12/2016</a:t>
+              <a:t>22/12/2016</a:t>
             </a:fld>
             <a:endParaRPr lang="en-GB"/>
           </a:p>
@@ -3761,7 +3761,7 @@
           <a:p>
             <a:fld id="{29E0FEDD-8B46-4AB8-8509-00A28AB84484}" type="datetime1">
               <a:rPr lang="en-GB" smtClean="0"/>
-              <a:t>15/12/2016</a:t>
+              <a:t>22/12/2016</a:t>
             </a:fld>
             <a:endParaRPr lang="en-GB"/>
           </a:p>
@@ -3935,7 +3935,7 @@
           <a:p>
             <a:fld id="{DBEF859E-FC17-4049-B5D8-0DB1DB648A1C}" type="datetime1">
               <a:rPr lang="en-GB" smtClean="0"/>
-              <a:t>15/12/2016</a:t>
+              <a:t>22/12/2016</a:t>
             </a:fld>
             <a:endParaRPr lang="en-GB"/>
           </a:p>
@@ -4119,7 +4119,7 @@
           <a:p>
             <a:fld id="{31601F83-63BF-475D-9B29-D444390134B0}" type="datetime1">
               <a:rPr lang="en-GB" smtClean="0"/>
-              <a:t>15/12/2016</a:t>
+              <a:t>22/12/2016</a:t>
             </a:fld>
             <a:endParaRPr lang="en-GB"/>
           </a:p>
@@ -4293,7 +4293,7 @@
           <a:p>
             <a:fld id="{0C3CD51F-4875-411B-AE14-AC6BE17149BE}" type="datetime1">
               <a:rPr lang="en-GB" smtClean="0"/>
-              <a:t>15/12/2016</a:t>
+              <a:t>22/12/2016</a:t>
             </a:fld>
             <a:endParaRPr lang="en-GB"/>
           </a:p>
@@ -4544,7 +4544,7 @@
           <a:p>
             <a:fld id="{D7A13E29-F9DA-4235-B179-6801D5C335E0}" type="datetime1">
               <a:rPr lang="en-GB" smtClean="0"/>
-              <a:t>15/12/2016</a:t>
+              <a:t>22/12/2016</a:t>
             </a:fld>
             <a:endParaRPr lang="en-GB"/>
           </a:p>
@@ -4780,7 +4780,7 @@
           <a:p>
             <a:fld id="{17E7B115-DA76-4A15-B0DB-1E0942A758E6}" type="datetime1">
               <a:rPr lang="en-GB" smtClean="0"/>
-              <a:t>15/12/2016</a:t>
+              <a:t>22/12/2016</a:t>
             </a:fld>
             <a:endParaRPr lang="en-GB"/>
           </a:p>
@@ -5158,7 +5158,7 @@
           <a:p>
             <a:fld id="{E9C155A6-10E7-4AE0-A978-61287BEECA4C}" type="datetime1">
               <a:rPr lang="en-GB" smtClean="0"/>
-              <a:t>15/12/2016</a:t>
+              <a:t>22/12/2016</a:t>
             </a:fld>
             <a:endParaRPr lang="en-GB"/>
           </a:p>
@@ -5285,7 +5285,7 @@
           <a:p>
             <a:fld id="{73961DA1-B789-43DA-B41F-367E45E14A87}" type="datetime1">
               <a:rPr lang="en-GB" smtClean="0"/>
-              <a:t>15/12/2016</a:t>
+              <a:t>22/12/2016</a:t>
             </a:fld>
             <a:endParaRPr lang="en-GB"/>
           </a:p>
@@ -5384,7 +5384,7 @@
           <a:p>
             <a:fld id="{DA1BD0E5-CF08-4746-888E-2D733D556074}" type="datetime1">
               <a:rPr lang="en-GB" smtClean="0"/>
-              <a:t>15/12/2016</a:t>
+              <a:t>22/12/2016</a:t>
             </a:fld>
             <a:endParaRPr lang="en-GB"/>
           </a:p>
@@ -5643,7 +5643,7 @@
           <a:p>
             <a:fld id="{91A550A3-096A-496C-87AD-3A39D20C628E}" type="datetime1">
               <a:rPr lang="en-GB" smtClean="0"/>
-              <a:t>15/12/2016</a:t>
+              <a:t>22/12/2016</a:t>
             </a:fld>
             <a:endParaRPr lang="en-GB"/>
           </a:p>
@@ -5910,7 +5910,7 @@
           <a:p>
             <a:fld id="{9A7CFD0D-77B1-493B-A7CA-4E8359C26366}" type="datetime1">
               <a:rPr lang="en-GB" smtClean="0"/>
-              <a:t>15/12/2016</a:t>
+              <a:t>22/12/2016</a:t>
             </a:fld>
             <a:endParaRPr lang="en-GB"/>
           </a:p>
@@ -6659,7 +6659,7 @@
           <a:p>
             <a:fld id="{EF7A9A45-2E76-4088-871F-04CACEBEB6E2}" type="datetime1">
               <a:rPr lang="en-GB" smtClean="0"/>
-              <a:t>15/12/2016</a:t>
+              <a:t>22/12/2016</a:t>
             </a:fld>
             <a:endParaRPr lang="en-GB"/>
           </a:p>
@@ -18004,8 +18004,21 @@
                   <a:schemeClr val="tx1"/>
                 </a:solidFill>
               </a:rPr>
-              <a:t>Next week we discuss together your solutions</a:t>
-            </a:r>
+              <a:t>The solution is in </a:t>
+            </a:r>
+            <a:r>
+              <a:rPr lang="en-GB" i="1">
+                <a:solidFill>
+                  <a:schemeClr val="tx1"/>
+                </a:solidFill>
+              </a:rPr>
+              <a:t>the slides.</a:t>
+            </a:r>
+            <a:endParaRPr lang="en-GB" i="1" dirty="0">
+              <a:solidFill>
+                <a:schemeClr val="tx1"/>
+              </a:solidFill>
+            </a:endParaRPr>
           </a:p>
           <a:p>
             <a:pPr lvl="1"/>
@@ -18026,20 +18039,12 @@
               <a:t>modulewijzer</a:t>
             </a:r>
             <a:r>
-              <a:rPr lang="en-GB" i="1">
-                <a:solidFill>
-                  <a:schemeClr val="tx1"/>
-                </a:solidFill>
-              </a:rPr>
-              <a:t>… </a:t>
-            </a:r>
-            <a:r>
               <a:rPr lang="en-GB" i="1" dirty="0">
                 <a:solidFill>
                   <a:schemeClr val="tx1"/>
                 </a:solidFill>
               </a:rPr>
-              <a:t>take a look at it!</a:t>
+              <a:t>… take a look at it!</a:t>
             </a:r>
             <a:endParaRPr lang="nl-NL" dirty="0"/>
           </a:p>
